--- a/ToegepasteAnalogeElektronica/PowerPoint/SmithKaartOefening1.pptx
+++ b/ToegepasteAnalogeElektronica/PowerPoint/SmithKaartOefening1.pptx
@@ -683,7 +683,7 @@
           <a:p>
             <a:fld id="{8F591CCF-F6FD-734B-854A-5BC033593B1E}" type="datetimeFigureOut">
               <a:rPr lang="nl-NL" smtClean="0"/>
-              <a:t>20-9-2025</a:t>
+              <a:t>21-9-2025</a:t>
             </a:fld>
             <a:endParaRPr lang="nl-NL"/>
           </a:p>
@@ -848,7 +848,7 @@
           <a:p>
             <a:fld id="{23C66214-DB21-4647-B5DA-0D17CA592867}" type="datetimeFigureOut">
               <a:rPr lang="nl-NL" smtClean="0"/>
-              <a:t>20-9-2025</a:t>
+              <a:t>21-9-2025</a:t>
             </a:fld>
             <a:endParaRPr lang="nl-NL"/>
           </a:p>
@@ -1459,7 +1459,7 @@
           <a:p>
             <a:fld id="{D15822B7-9EF6-9542-AF10-CD505E021A84}" type="datetime1">
               <a:rPr lang="nl-BE" smtClean="0"/>
-              <a:t>20/09/2025</a:t>
+              <a:t>21/09/2025</a:t>
             </a:fld>
             <a:endParaRPr lang="nl-NL"/>
           </a:p>
@@ -1709,7 +1709,7 @@
           <a:p>
             <a:fld id="{D15822B7-9EF6-9542-AF10-CD505E021A84}" type="datetime1">
               <a:rPr lang="nl-BE" smtClean="0"/>
-              <a:t>20/09/2025</a:t>
+              <a:t>21/09/2025</a:t>
             </a:fld>
             <a:endParaRPr lang="nl-NL"/>
           </a:p>
@@ -1992,7 +1992,7 @@
           <a:p>
             <a:fld id="{F52CA13D-CC20-034F-8D4D-5C3038626ED9}" type="datetime1">
               <a:rPr lang="nl-BE" smtClean="0"/>
-              <a:t>20/09/2025</a:t>
+              <a:t>21/09/2025</a:t>
             </a:fld>
             <a:endParaRPr lang="nl-NL"/>
           </a:p>
@@ -2272,8 +2272,8 @@
         </p:nvSpPr>
         <p:spPr>
           <a:xfrm>
-            <a:off x="576000" y="2232000"/>
-            <a:ext cx="11006400" cy="3820646"/>
+            <a:off x="576000" y="800401"/>
+            <a:ext cx="11006400" cy="5252245"/>
           </a:xfrm>
         </p:spPr>
         <p:txBody>
@@ -2344,7 +2344,7 @@
           <a:p>
             <a:fld id="{F52CA13D-CC20-034F-8D4D-5C3038626ED9}" type="datetime1">
               <a:rPr lang="nl-BE" smtClean="0"/>
-              <a:t>20/09/2025</a:t>
+              <a:t>21/09/2025</a:t>
             </a:fld>
             <a:endParaRPr lang="nl-NL"/>
           </a:p>
@@ -2462,7 +2462,7 @@
         </p:nvSpPr>
         <p:spPr>
           <a:xfrm>
-            <a:off x="576000" y="576001"/>
+            <a:off x="576000" y="4501"/>
             <a:ext cx="11041200" cy="648000"/>
           </a:xfrm>
         </p:spPr>
@@ -2522,8 +2522,8 @@
         </p:nvGrpSpPr>
         <p:grpSpPr>
           <a:xfrm>
-            <a:off x="125506" y="1312858"/>
-            <a:ext cx="11821095" cy="4739788"/>
+            <a:off x="125506" y="731855"/>
+            <a:ext cx="11821095" cy="5320791"/>
             <a:chOff x="0" y="-241102"/>
             <a:chExt cx="23088432" cy="12605757"/>
           </a:xfrm>
@@ -3468,8 +3468,8 @@
         </p:nvSpPr>
         <p:spPr>
           <a:xfrm>
-            <a:off x="245399" y="1810310"/>
-            <a:ext cx="11605942" cy="4175637"/>
+            <a:off x="245399" y="1280788"/>
+            <a:ext cx="11605942" cy="4705159"/>
           </a:xfrm>
           <a:noFill/>
         </p:spPr>
@@ -3577,7 +3577,7 @@
           <a:p>
             <a:fld id="{F52CA13D-CC20-034F-8D4D-5C3038626ED9}" type="datetime1">
               <a:rPr lang="nl-BE" smtClean="0"/>
-              <a:t>20/09/2025</a:t>
+              <a:t>21/09/2025</a:t>
             </a:fld>
             <a:endParaRPr lang="nl-NL"/>
           </a:p>
@@ -3695,7 +3695,7 @@
         </p:nvSpPr>
         <p:spPr>
           <a:xfrm>
-            <a:off x="576000" y="576000"/>
+            <a:off x="576000" y="4500"/>
             <a:ext cx="11041200" cy="579455"/>
           </a:xfrm>
         </p:spPr>
@@ -3798,7 +3798,7 @@
           <a:p>
             <a:fld id="{F52CA13D-CC20-034F-8D4D-5C3038626ED9}" type="datetime1">
               <a:rPr lang="nl-BE" smtClean="0"/>
-              <a:t>20/09/2025</a:t>
+              <a:t>21/09/2025</a:t>
             </a:fld>
             <a:endParaRPr lang="nl-NL"/>
           </a:p>
@@ -3916,7 +3916,7 @@
         </p:nvSpPr>
         <p:spPr>
           <a:xfrm>
-            <a:off x="576000" y="576001"/>
+            <a:off x="576000" y="4501"/>
             <a:ext cx="11041200" cy="648000"/>
           </a:xfrm>
         </p:spPr>
@@ -4009,8 +4009,8 @@
         </p:nvSpPr>
         <p:spPr>
           <a:xfrm>
-            <a:off x="576000" y="1688400"/>
-            <a:ext cx="11006400" cy="4364246"/>
+            <a:off x="576000" y="811831"/>
+            <a:ext cx="11006400" cy="5240815"/>
           </a:xfrm>
         </p:spPr>
         <p:txBody>
@@ -4089,7 +4089,7 @@
           <a:p>
             <a:fld id="{F52CA13D-CC20-034F-8D4D-5C3038626ED9}" type="datetime1">
               <a:rPr lang="nl-BE" smtClean="0"/>
-              <a:t>20/09/2025</a:t>
+              <a:t>21/09/2025</a:t>
             </a:fld>
             <a:endParaRPr lang="nl-NL"/>
           </a:p>
@@ -4207,7 +4207,7 @@
         </p:nvSpPr>
         <p:spPr>
           <a:xfrm>
-            <a:off x="576000" y="576000"/>
+            <a:off x="576000" y="15930"/>
             <a:ext cx="11041200" cy="648001"/>
           </a:xfrm>
         </p:spPr>
@@ -4216,10 +4216,10 @@
           <a:lstStyle/>
           <a:p>
             <a:r>
-              <a:rPr lang="en-US"/>
+              <a:rPr lang="en-US" dirty="0"/>
               <a:t>Click to edit Master title style</a:t>
             </a:r>
-            <a:endParaRPr lang="en-GB"/>
+            <a:endParaRPr lang="en-GB" dirty="0"/>
           </a:p>
         </p:txBody>
       </p:sp>
@@ -4271,8 +4271,8 @@
         </p:nvSpPr>
         <p:spPr>
           <a:xfrm>
-            <a:off x="576000" y="1531620"/>
-            <a:ext cx="11006400" cy="4521026"/>
+            <a:off x="576000" y="868680"/>
+            <a:ext cx="11006400" cy="5183966"/>
           </a:xfrm>
         </p:spPr>
         <p:txBody>
@@ -4343,7 +4343,7 @@
           <a:p>
             <a:fld id="{F52CA13D-CC20-034F-8D4D-5C3038626ED9}" type="datetime1">
               <a:rPr lang="nl-BE" smtClean="0"/>
-              <a:t>20/09/2025</a:t>
+              <a:t>21/09/2025</a:t>
             </a:fld>
             <a:endParaRPr lang="nl-NL"/>
           </a:p>
@@ -4461,7 +4461,7 @@
         </p:nvSpPr>
         <p:spPr>
           <a:xfrm>
-            <a:off x="576000" y="576001"/>
+            <a:off x="576000" y="15931"/>
             <a:ext cx="11041200" cy="650366"/>
           </a:xfrm>
         </p:spPr>
@@ -4556,7 +4556,7 @@
           <a:p>
             <a:fld id="{D15822B7-9EF6-9542-AF10-CD505E021A84}" type="datetime1">
               <a:rPr lang="nl-BE" smtClean="0"/>
-              <a:t>20/09/2025</a:t>
+              <a:t>21/09/2025</a:t>
             </a:fld>
             <a:endParaRPr lang="nl-NL"/>
           </a:p>
@@ -4622,8 +4622,8 @@
         </p:nvSpPr>
         <p:spPr>
           <a:xfrm>
-            <a:off x="576000" y="2232000"/>
-            <a:ext cx="11006402" cy="3820646"/>
+            <a:off x="576000" y="708660"/>
+            <a:ext cx="11006402" cy="5343986"/>
           </a:xfrm>
         </p:spPr>
         <p:txBody>
@@ -4684,7 +4684,7 @@
         </p:nvSpPr>
         <p:spPr>
           <a:xfrm>
-            <a:off x="576000" y="576001"/>
+            <a:off x="576000" y="15931"/>
             <a:ext cx="11041200" cy="578430"/>
           </a:xfrm>
         </p:spPr>
@@ -4693,10 +4693,10 @@
           <a:lstStyle/>
           <a:p>
             <a:r>
-              <a:rPr lang="en-US"/>
+              <a:rPr lang="en-US" dirty="0"/>
               <a:t>Click to edit Master title style</a:t>
             </a:r>
-            <a:endParaRPr lang="en-GB"/>
+            <a:endParaRPr lang="en-GB" dirty="0"/>
           </a:p>
         </p:txBody>
       </p:sp>
@@ -4747,7 +4747,7 @@
           <a:p>
             <a:fld id="{D15822B7-9EF6-9542-AF10-CD505E021A84}" type="datetime1">
               <a:rPr lang="nl-BE" smtClean="0"/>
-              <a:t>20/09/2025</a:t>
+              <a:t>21/09/2025</a:t>
             </a:fld>
             <a:endParaRPr lang="nl-NL"/>
           </a:p>
@@ -4813,8 +4813,8 @@
         </p:nvSpPr>
         <p:spPr>
           <a:xfrm>
-            <a:off x="576000" y="2232000"/>
-            <a:ext cx="11006402" cy="3820646"/>
+            <a:off x="576000" y="765810"/>
+            <a:ext cx="11006402" cy="5286836"/>
           </a:xfrm>
         </p:spPr>
         <p:txBody>
@@ -4875,7 +4875,7 @@
         </p:nvSpPr>
         <p:spPr>
           <a:xfrm>
-            <a:off x="576000" y="576001"/>
+            <a:off x="576000" y="0"/>
             <a:ext cx="11041200" cy="647010"/>
           </a:xfrm>
         </p:spPr>
@@ -5105,7 +5105,7 @@
           <a:p>
             <a:fld id="{0C33DDE8-63FF-C642-9F3A-0B773DD34821}" type="datetime1">
               <a:rPr lang="nl-BE" smtClean="0"/>
-              <a:t>20/09/2025</a:t>
+              <a:t>21/09/2025</a:t>
             </a:fld>
             <a:endParaRPr lang="nl-NL"/>
           </a:p>
@@ -7027,6 +7027,26 @@
 </file>
 
 <file path=customXml/item1.xml><?xml version="1.0" encoding="utf-8"?>
+<p:properties xmlns:p="http://schemas.microsoft.com/office/2006/metadata/properties" xmlns:xsi="http://www.w3.org/2001/XMLSchema-instance" xmlns:pc="http://schemas.microsoft.com/office/infopath/2007/PartnerControls">
+  <documentManagement>
+    <lcf76f155ced4ddcb4097134ff3c332f xmlns="81d41a3b-f33d-4db6-b532-757106a7a2ae">
+      <Terms xmlns="http://schemas.microsoft.com/office/infopath/2007/PartnerControls"/>
+    </lcf76f155ced4ddcb4097134ff3c332f>
+    <TaxCatchAll xmlns="bf25a9bf-a811-4965-9d0a-b88059080fed" xsi:nil="true"/>
+  </documentManagement>
+</p:properties>
+</file>
+
+<file path=customXml/item2.xml><?xml version="1.0" encoding="utf-8"?>
+<?mso-contentType ?>
+<FormTemplates xmlns="http://schemas.microsoft.com/sharepoint/v3/contenttype/forms">
+  <Display>DocumentLibraryForm</Display>
+  <Edit>DocumentLibraryForm</Edit>
+  <New>DocumentLibraryForm</New>
+</FormTemplates>
+</file>
+
+<file path=customXml/item3.xml><?xml version="1.0" encoding="utf-8"?>
 <ct:contentTypeSchema xmlns:ct="http://schemas.microsoft.com/office/2006/metadata/contentType" xmlns:ma="http://schemas.microsoft.com/office/2006/metadata/properties/metaAttributes" ct:_="" ma:_="" ma:contentTypeName="Document" ma:contentTypeID="0x010100B8C495A181F81B4C9DE5AD85CD0F70D4" ma:contentTypeVersion="18" ma:contentTypeDescription="Een nieuw document maken." ma:contentTypeScope="" ma:versionID="6ba28a59cba4a02a693681f32745d77b">
   <xsd:schema xmlns:xsd="http://www.w3.org/2001/XMLSchema" xmlns:xs="http://www.w3.org/2001/XMLSchema" xmlns:p="http://schemas.microsoft.com/office/2006/metadata/properties" xmlns:ns2="81d41a3b-f33d-4db6-b532-757106a7a2ae" xmlns:ns3="bf25a9bf-a811-4965-9d0a-b88059080fed" targetNamespace="http://schemas.microsoft.com/office/2006/metadata/properties" ma:root="true" ma:fieldsID="b996b4a4c0d83f5cfec71b22aba921d2" ns2:_="" ns3:_="">
     <xsd:import namespace="81d41a3b-f33d-4db6-b532-757106a7a2ae"/>
@@ -7281,27 +7301,32 @@
 </ct:contentTypeSchema>
 </file>
 
-<file path=customXml/item2.xml><?xml version="1.0" encoding="utf-8"?>
-<?mso-contentType ?>
-<FormTemplates xmlns="http://schemas.microsoft.com/sharepoint/v3/contenttype/forms">
-  <Display>DocumentLibraryForm</Display>
-  <Edit>DocumentLibraryForm</Edit>
-  <New>DocumentLibraryForm</New>
-</FormTemplates>
+<file path=customXml/itemProps1.xml><?xml version="1.0" encoding="utf-8"?>
+<ds:datastoreItem xmlns:ds="http://schemas.openxmlformats.org/officeDocument/2006/customXml" ds:itemID="{5EE9034D-0B43-4AB0-9535-9A62DB37A999}">
+  <ds:schemaRefs>
+    <ds:schemaRef ds:uri="http://www.w3.org/XML/1998/namespace"/>
+    <ds:schemaRef ds:uri="81d41a3b-f33d-4db6-b532-757106a7a2ae"/>
+    <ds:schemaRef ds:uri="http://purl.org/dc/dcmitype/"/>
+    <ds:schemaRef ds:uri="http://purl.org/dc/elements/1.1/"/>
+    <ds:schemaRef ds:uri="http://schemas.microsoft.com/office/2006/documentManagement/types"/>
+    <ds:schemaRef ds:uri="bf25a9bf-a811-4965-9d0a-b88059080fed"/>
+    <ds:schemaRef ds:uri="http://purl.org/dc/terms/"/>
+    <ds:schemaRef ds:uri="http://schemas.microsoft.com/office/infopath/2007/PartnerControls"/>
+    <ds:schemaRef ds:uri="http://schemas.openxmlformats.org/package/2006/metadata/core-properties"/>
+    <ds:schemaRef ds:uri="http://schemas.microsoft.com/office/2006/metadata/properties"/>
+  </ds:schemaRefs>
+</ds:datastoreItem>
 </file>
 
-<file path=customXml/item3.xml><?xml version="1.0" encoding="utf-8"?>
-<p:properties xmlns:p="http://schemas.microsoft.com/office/2006/metadata/properties" xmlns:xsi="http://www.w3.org/2001/XMLSchema-instance" xmlns:pc="http://schemas.microsoft.com/office/infopath/2007/PartnerControls">
-  <documentManagement>
-    <lcf76f155ced4ddcb4097134ff3c332f xmlns="81d41a3b-f33d-4db6-b532-757106a7a2ae">
-      <Terms xmlns="http://schemas.microsoft.com/office/infopath/2007/PartnerControls"/>
-    </lcf76f155ced4ddcb4097134ff3c332f>
-    <TaxCatchAll xmlns="bf25a9bf-a811-4965-9d0a-b88059080fed" xsi:nil="true"/>
-  </documentManagement>
-</p:properties>
+<file path=customXml/itemProps2.xml><?xml version="1.0" encoding="utf-8"?>
+<ds:datastoreItem xmlns:ds="http://schemas.openxmlformats.org/officeDocument/2006/customXml" ds:itemID="{263A7949-1B93-457F-8888-53CC8A016F77}">
+  <ds:schemaRefs>
+    <ds:schemaRef ds:uri="http://schemas.microsoft.com/sharepoint/v3/contenttype/forms"/>
+  </ds:schemaRefs>
+</ds:datastoreItem>
 </file>
 
-<file path=customXml/itemProps1.xml><?xml version="1.0" encoding="utf-8"?>
+<file path=customXml/itemProps3.xml><?xml version="1.0" encoding="utf-8"?>
 <ds:datastoreItem xmlns:ds="http://schemas.openxmlformats.org/officeDocument/2006/customXml" ds:itemID="{2A270F01-48F1-4A41-8E26-ACAC66896963}">
   <ds:schemaRefs>
     <ds:schemaRef ds:uri="http://schemas.microsoft.com/office/2006/metadata/contentType"/>
@@ -7318,29 +7343,4 @@
     <ds:schemaRef ds:uri="http://schemas.microsoft.com/internal/obd"/>
   </ds:schemaRefs>
 </ds:datastoreItem>
-</file>
-
-<file path=customXml/itemProps2.xml><?xml version="1.0" encoding="utf-8"?>
-<ds:datastoreItem xmlns:ds="http://schemas.openxmlformats.org/officeDocument/2006/customXml" ds:itemID="{263A7949-1B93-457F-8888-53CC8A016F77}">
-  <ds:schemaRefs>
-    <ds:schemaRef ds:uri="http://schemas.microsoft.com/sharepoint/v3/contenttype/forms"/>
-  </ds:schemaRefs>
-</ds:datastoreItem>
-</file>
-
-<file path=customXml/itemProps3.xml><?xml version="1.0" encoding="utf-8"?>
-<ds:datastoreItem xmlns:ds="http://schemas.openxmlformats.org/officeDocument/2006/customXml" ds:itemID="{5EE9034D-0B43-4AB0-9535-9A62DB37A999}">
-  <ds:schemaRefs>
-    <ds:schemaRef ds:uri="http://www.w3.org/XML/1998/namespace"/>
-    <ds:schemaRef ds:uri="81d41a3b-f33d-4db6-b532-757106a7a2ae"/>
-    <ds:schemaRef ds:uri="http://purl.org/dc/dcmitype/"/>
-    <ds:schemaRef ds:uri="http://purl.org/dc/elements/1.1/"/>
-    <ds:schemaRef ds:uri="http://schemas.microsoft.com/office/2006/documentManagement/types"/>
-    <ds:schemaRef ds:uri="bf25a9bf-a811-4965-9d0a-b88059080fed"/>
-    <ds:schemaRef ds:uri="http://purl.org/dc/terms/"/>
-    <ds:schemaRef ds:uri="http://schemas.microsoft.com/office/infopath/2007/PartnerControls"/>
-    <ds:schemaRef ds:uri="http://schemas.openxmlformats.org/package/2006/metadata/core-properties"/>
-    <ds:schemaRef ds:uri="http://schemas.microsoft.com/office/2006/metadata/properties"/>
-  </ds:schemaRefs>
-</ds:datastoreItem>
 </file>
--- a/ToegepasteAnalogeElektronica/PowerPoint/SmithKaartOefening1.pptx
+++ b/ToegepasteAnalogeElektronica/PowerPoint/SmithKaartOefening1.pptx
@@ -5712,6 +5712,27 @@
           <a:bodyPr/>
           <a:lstStyle/>
           <a:p/>
+          <a:p>
+            <a:pPr/>
+            <a:r>
+              <a:t>## Oefening 1</a:t>
+            </a:r>
+          </a:p>
+          <a:p>
+            <a:pPr/>
+          </a:p>
+          <a:p>
+            <a:pPr/>
+            <a:r>
+              <a:t>\lambda</a:t>
+            </a:r>
+            <a:r>
+              <a:t>\epsilon_r</a:t>
+            </a:r>
+            <a:r>
+              <a:t>=4).Doe dit door een condensator in parallel op de 50 Ohm lijn te plaatsen. Waar moet deze condensator staan en hoe groot moet deze zijn? Wanneer 250 mW naar deze antenne gestuurd wordt, hoe groot is dan de maximale spanning aan de voet van de antenne? Hoe groot is de maximale spanning op de plaats waar de condensator is aangesloten?</a:t>
+            </a:r>
+          </a:p>
         </p:txBody>
       </p:sp>
       <p:sp>
@@ -5729,61 +5750,6 @@
           <a:bodyPr/>
           <a:lstStyle/>
           <a:p/>
-        </p:txBody>
-      </p:sp>
-      <p:sp>
-        <p:nvSpPr>
-          <p:cNvPr id="4" name="TextBox 3"/>
-          <p:cNvSpPr txBox="1"/>
-          <p:nvPr/>
-        </p:nvSpPr>
-        <p:spPr>
-          <a:xfrm>
-            <a:off x="914400" y="2084831"/>
-            <a:ext cx="9144000" cy="1828800"/>
-          </a:xfrm>
-          <a:prstGeom prst="rect">
-            <a:avLst/>
-          </a:prstGeom>
-          <a:noFill/>
-        </p:spPr>
-        <p:txBody>
-          <a:bodyPr wrap="square">
-            <a:noAutofit/>
-          </a:bodyPr>
-          <a:lstStyle/>
-          <a:p>
-            <a:r>
-              <a:rPr sz="2100" b="0" i="0">
-                <a:latin typeface="Calibri"/>
-              </a:rPr>
-              <a:t>## Oefening 1</a:t>
-            </a:r>
-            <a:endParaRPr sz="2100" b="0" i="0">
-              <a:latin typeface="Calibri"/>
-            </a:endParaRPr>
-          </a:p>
-          <a:p>
-            <a:endParaRPr sz="2100" b="0" i="0">
-              <a:latin typeface="Calibri"/>
-            </a:endParaRPr>
-          </a:p>
-          <a:p>
-            <a:r>
-              <a:rPr sz="2100" b="0" i="0">
-                <a:latin typeface="Calibri"/>
-              </a:rPr>
-              <a:t>Pas aan de hand van een Smith kaart om een antenne van 128 Ohm aan aan een striplijn printbaan van 50 Ohm voor een frequentie van 1.2 GHz ($\lambda$= 12.5 cm; $\epsilon_r$=4).Doe dit door een condensator in parallel op de 50 Ohm lijn te plaatsen. Waar moet deze condensator staan en hoe groot moet deze zijn? Wanneer 250 mW naar deze antenne gestuurd wordt, hoe groot is dan de maximale spanning aan de voet van de antenne? Hoe groot is de maximale spanning op de plaats waar de condensator is aangesloten?</a:t>
-            </a:r>
-            <a:endParaRPr sz="2100" b="0" i="0">
-              <a:latin typeface="Calibri"/>
-            </a:endParaRPr>
-          </a:p>
-          <a:p>
-            <a:endParaRPr sz="2100" b="0" i="0">
-              <a:latin typeface="Calibri"/>
-            </a:endParaRPr>
-          </a:p>
         </p:txBody>
       </p:sp>
     </p:spTree>
@@ -6067,7 +6033,7 @@
         </p:blipFill>
         <p:spPr>
           <a:xfrm>
-            <a:off x="3729037" y="2084831"/>
+            <a:off x="3729037" y="868680"/>
             <a:ext cx="4733925" cy="819150"/>
           </a:xfrm>
           <a:prstGeom prst="rect">

--- a/ToegepasteAnalogeElektronica/PowerPoint/SmithKaartOefening1.pptx
+++ b/ToegepasteAnalogeElektronica/PowerPoint/SmithKaartOefening1.pptx
@@ -5724,7 +5724,13 @@
           <a:p>
             <a:pPr/>
             <a:r>
+              <a:t>Pas aan de hand van een Smith kaart om een antenne van 128 Ohm aan aan een striplijn printbaan van 50 Ohm voor een frequentie van 1.2 GHz (</a:t>
+            </a:r>
+            <a:r>
               <a:t>\lambda</a:t>
+            </a:r>
+            <a:r>
+              <a:t>= 12.5 cm; </a:t>
             </a:r>
             <a:r>
               <a:t>\epsilon_r</a:t>
@@ -5815,8 +5821,8 @@
         </p:blipFill>
         <p:spPr>
           <a:xfrm>
-            <a:off x="3581400" y="1179576"/>
-            <a:ext cx="5029200" cy="5029200"/>
+            <a:off x="3307080" y="566928"/>
+            <a:ext cx="5577840" cy="5577840"/>
           </a:xfrm>
           <a:prstGeom prst="rect">
             <a:avLst/>
@@ -5886,8 +5892,8 @@
         </p:blipFill>
         <p:spPr>
           <a:xfrm>
-            <a:off x="3581400" y="1179576"/>
-            <a:ext cx="5029200" cy="5029200"/>
+            <a:off x="3307080" y="566928"/>
+            <a:ext cx="5577840" cy="5577840"/>
           </a:xfrm>
           <a:prstGeom prst="rect">
             <a:avLst/>
@@ -5957,8 +5963,8 @@
         </p:blipFill>
         <p:spPr>
           <a:xfrm>
-            <a:off x="3581400" y="1179576"/>
-            <a:ext cx="5029200" cy="5029200"/>
+            <a:off x="3307080" y="566928"/>
+            <a:ext cx="5577840" cy="5577840"/>
           </a:xfrm>
           <a:prstGeom prst="rect">
             <a:avLst/>
@@ -6104,8 +6110,8 @@
         </p:blipFill>
         <p:spPr>
           <a:xfrm>
-            <a:off x="16641" y="1179576"/>
-            <a:ext cx="12158717" cy="5029200"/>
+            <a:off x="0" y="566928"/>
+            <a:ext cx="12192000" cy="5577840"/>
           </a:xfrm>
           <a:prstGeom prst="rect">
             <a:avLst/>
@@ -6175,8 +6181,8 @@
         </p:blipFill>
         <p:spPr>
           <a:xfrm>
-            <a:off x="0" y="1179576"/>
-            <a:ext cx="12192000" cy="5029200"/>
+            <a:off x="0" y="566928"/>
+            <a:ext cx="12192000" cy="5577840"/>
           </a:xfrm>
           <a:prstGeom prst="rect">
             <a:avLst/>

--- a/ToegepasteAnalogeElektronica/PowerPoint/SmithKaartOefening1.pptx
+++ b/ToegepasteAnalogeElektronica/PowerPoint/SmithKaartOefening1.pptx
@@ -1,6 +1,6 @@
 
 <file path=ppt/presentation.xml><?xml version="1.0" encoding="utf-8"?>
-<p:presentation xmlns:a="http://schemas.openxmlformats.org/drawingml/2006/main" xmlns:r="http://schemas.openxmlformats.org/officeDocument/2006/relationships" xmlns:p="http://schemas.openxmlformats.org/presentationml/2006/main" saveSubsetFonts="1" autoCompressPictures="0">
+<p:presentation xmlns:a="http://schemas.openxmlformats.org/drawingml/2006/main" xmlns:r="http://schemas.openxmlformats.org/officeDocument/2006/relationships" xmlns:p="http://schemas.openxmlformats.org/presentationml/2006/main" showSpecialPlsOnTitleSld="0" saveSubsetFonts="1" autoCompressPictures="0">
   <p:sldMasterIdLst>
     <p:sldMasterId id="2147483648" r:id="rId4"/>
   </p:sldMasterIdLst>
@@ -683,7 +683,7 @@
           <a:p>
             <a:fld id="{8F591CCF-F6FD-734B-854A-5BC033593B1E}" type="datetimeFigureOut">
               <a:rPr lang="nl-NL" smtClean="0"/>
-              <a:t>21-9-2025</a:t>
+              <a:t>28-9-2025</a:t>
             </a:fld>
             <a:endParaRPr lang="nl-NL"/>
           </a:p>
@@ -848,7 +848,7 @@
           <a:p>
             <a:fld id="{23C66214-DB21-4647-B5DA-0D17CA592867}" type="datetimeFigureOut">
               <a:rPr lang="nl-NL" smtClean="0"/>
-              <a:t>21-9-2025</a:t>
+              <a:t>28-9-2025</a:t>
             </a:fld>
             <a:endParaRPr lang="nl-NL"/>
           </a:p>
@@ -1457,9 +1457,9 @@
           <a:bodyPr/>
           <a:lstStyle/>
           <a:p>
-            <a:fld id="{D15822B7-9EF6-9542-AF10-CD505E021A84}" type="datetime1">
+            <a:fld id="{39E7E716-59E8-42BC-97BF-DDA9E59ADEE7}" type="datetime1">
               <a:rPr lang="nl-BE" smtClean="0"/>
-              <a:t>21/09/2025</a:t>
+              <a:t>28/09/2025</a:t>
             </a:fld>
             <a:endParaRPr lang="nl-NL"/>
           </a:p>
@@ -1491,7 +1491,7 @@
           <a:bodyPr/>
           <a:lstStyle/>
           <a:p>
-            <a:endParaRPr lang="nl-NL"/>
+            <a:endParaRPr lang="nl-NL" dirty="0"/>
           </a:p>
         </p:txBody>
       </p:sp>
@@ -1707,9 +1707,9 @@
           <a:bodyPr/>
           <a:lstStyle/>
           <a:p>
-            <a:fld id="{D15822B7-9EF6-9542-AF10-CD505E021A84}" type="datetime1">
+            <a:fld id="{68285E84-F3E9-4DE0-AF5C-DC32311C51B6}" type="datetime1">
               <a:rPr lang="nl-BE" smtClean="0"/>
-              <a:t>21/09/2025</a:t>
+              <a:t>28/09/2025</a:t>
             </a:fld>
             <a:endParaRPr lang="nl-NL"/>
           </a:p>
@@ -1990,9 +1990,9 @@
           <a:bodyPr/>
           <a:lstStyle/>
           <a:p>
-            <a:fld id="{F52CA13D-CC20-034F-8D4D-5C3038626ED9}" type="datetime1">
+            <a:fld id="{86D712DB-13D1-48DF-8D74-EA2A0D6A1295}" type="datetime1">
               <a:rPr lang="nl-BE" smtClean="0"/>
-              <a:t>21/09/2025</a:t>
+              <a:t>28/09/2025</a:t>
             </a:fld>
             <a:endParaRPr lang="nl-NL"/>
           </a:p>
@@ -2342,9 +2342,9 @@
           <a:bodyPr/>
           <a:lstStyle/>
           <a:p>
-            <a:fld id="{F52CA13D-CC20-034F-8D4D-5C3038626ED9}" type="datetime1">
+            <a:fld id="{EE55F63B-E5C2-47C9-B767-96A09BC63624}" type="datetime1">
               <a:rPr lang="nl-BE" smtClean="0"/>
-              <a:t>21/09/2025</a:t>
+              <a:t>28/09/2025</a:t>
             </a:fld>
             <a:endParaRPr lang="nl-NL"/>
           </a:p>
@@ -3575,9 +3575,9 @@
           <a:bodyPr/>
           <a:lstStyle/>
           <a:p>
-            <a:fld id="{F52CA13D-CC20-034F-8D4D-5C3038626ED9}" type="datetime1">
+            <a:fld id="{0445AAF3-F212-43BB-932B-DD1A31841819}" type="datetime1">
               <a:rPr lang="nl-BE" smtClean="0"/>
-              <a:t>21/09/2025</a:t>
+              <a:t>28/09/2025</a:t>
             </a:fld>
             <a:endParaRPr lang="nl-NL"/>
           </a:p>
@@ -3796,9 +3796,9 @@
           <a:bodyPr/>
           <a:lstStyle/>
           <a:p>
-            <a:fld id="{F52CA13D-CC20-034F-8D4D-5C3038626ED9}" type="datetime1">
+            <a:fld id="{215EBCC0-C3A3-417F-962F-876AE60FF46F}" type="datetime1">
               <a:rPr lang="nl-BE" smtClean="0"/>
-              <a:t>21/09/2025</a:t>
+              <a:t>28/09/2025</a:t>
             </a:fld>
             <a:endParaRPr lang="nl-NL"/>
           </a:p>
@@ -4087,9 +4087,9 @@
           <a:bodyPr/>
           <a:lstStyle/>
           <a:p>
-            <a:fld id="{F52CA13D-CC20-034F-8D4D-5C3038626ED9}" type="datetime1">
+            <a:fld id="{5087A35E-C6EC-4A6C-A286-9B263B20AC20}" type="datetime1">
               <a:rPr lang="nl-BE" smtClean="0"/>
-              <a:t>21/09/2025</a:t>
+              <a:t>28/09/2025</a:t>
             </a:fld>
             <a:endParaRPr lang="nl-NL"/>
           </a:p>
@@ -4341,9 +4341,9 @@
           <a:bodyPr/>
           <a:lstStyle/>
           <a:p>
-            <a:fld id="{F52CA13D-CC20-034F-8D4D-5C3038626ED9}" type="datetime1">
+            <a:fld id="{4B9B00E3-DE57-4EA4-A886-8AA88F9577D7}" type="datetime1">
               <a:rPr lang="nl-BE" smtClean="0"/>
-              <a:t>21/09/2025</a:t>
+              <a:t>28/09/2025</a:t>
             </a:fld>
             <a:endParaRPr lang="nl-NL"/>
           </a:p>
@@ -4554,9 +4554,9 @@
           <a:bodyPr/>
           <a:lstStyle/>
           <a:p>
-            <a:fld id="{D15822B7-9EF6-9542-AF10-CD505E021A84}" type="datetime1">
+            <a:fld id="{1631A466-BC4F-407D-A3EA-76F6655478F0}" type="datetime1">
               <a:rPr lang="nl-BE" smtClean="0"/>
-              <a:t>21/09/2025</a:t>
+              <a:t>28/09/2025</a:t>
             </a:fld>
             <a:endParaRPr lang="nl-NL"/>
           </a:p>
@@ -4745,9 +4745,9 @@
           <a:bodyPr/>
           <a:lstStyle/>
           <a:p>
-            <a:fld id="{D15822B7-9EF6-9542-AF10-CD505E021A84}" type="datetime1">
+            <a:fld id="{7CF5F32B-E94B-420F-86D9-59A9E32E05E1}" type="datetime1">
               <a:rPr lang="nl-BE" smtClean="0"/>
-              <a:t>21/09/2025</a:t>
+              <a:t>28/09/2025</a:t>
             </a:fld>
             <a:endParaRPr lang="nl-NL"/>
           </a:p>
@@ -5103,9 +5103,9 @@
             </a:lvl1pPr>
           </a:lstStyle>
           <a:p>
-            <a:fld id="{0C33DDE8-63FF-C642-9F3A-0B773DD34821}" type="datetime1">
+            <a:fld id="{341CC9F9-C2CE-4031-804C-1F2576E1A82A}" type="datetime1">
               <a:rPr lang="nl-BE" smtClean="0"/>
-              <a:t>21/09/2025</a:t>
+              <a:t>28/09/2025</a:t>
             </a:fld>
             <a:endParaRPr lang="nl-NL"/>
           </a:p>
@@ -5241,7 +5241,7 @@
     <p:sldLayoutId id="2147483670" r:id="rId12"/>
     <p:sldLayoutId id="2147483651" r:id="rId13"/>
   </p:sldLayoutIdLst>
-  <p:hf hdr="0" ftr="0" dt="0"/>
+  <p:hf hdr="0" dt="0"/>
   <p:txStyles>
     <p:titleStyle>
       <a:lvl1pPr algn="l" defTabSz="914400" rtl="0" eaLnBrk="1" latinLnBrk="0" hangingPunct="1">
@@ -6999,26 +6999,6 @@
 </file>
 
 <file path=customXml/item1.xml><?xml version="1.0" encoding="utf-8"?>
-<p:properties xmlns:p="http://schemas.microsoft.com/office/2006/metadata/properties" xmlns:xsi="http://www.w3.org/2001/XMLSchema-instance" xmlns:pc="http://schemas.microsoft.com/office/infopath/2007/PartnerControls">
-  <documentManagement>
-    <lcf76f155ced4ddcb4097134ff3c332f xmlns="81d41a3b-f33d-4db6-b532-757106a7a2ae">
-      <Terms xmlns="http://schemas.microsoft.com/office/infopath/2007/PartnerControls"/>
-    </lcf76f155ced4ddcb4097134ff3c332f>
-    <TaxCatchAll xmlns="bf25a9bf-a811-4965-9d0a-b88059080fed" xsi:nil="true"/>
-  </documentManagement>
-</p:properties>
-</file>
-
-<file path=customXml/item2.xml><?xml version="1.0" encoding="utf-8"?>
-<?mso-contentType ?>
-<FormTemplates xmlns="http://schemas.microsoft.com/sharepoint/v3/contenttype/forms">
-  <Display>DocumentLibraryForm</Display>
-  <Edit>DocumentLibraryForm</Edit>
-  <New>DocumentLibraryForm</New>
-</FormTemplates>
-</file>
-
-<file path=customXml/item3.xml><?xml version="1.0" encoding="utf-8"?>
 <ct:contentTypeSchema xmlns:ct="http://schemas.microsoft.com/office/2006/metadata/contentType" xmlns:ma="http://schemas.microsoft.com/office/2006/metadata/properties/metaAttributes" ct:_="" ma:_="" ma:contentTypeName="Document" ma:contentTypeID="0x010100B8C495A181F81B4C9DE5AD85CD0F70D4" ma:contentTypeVersion="18" ma:contentTypeDescription="Een nieuw document maken." ma:contentTypeScope="" ma:versionID="6ba28a59cba4a02a693681f32745d77b">
   <xsd:schema xmlns:xsd="http://www.w3.org/2001/XMLSchema" xmlns:xs="http://www.w3.org/2001/XMLSchema" xmlns:p="http://schemas.microsoft.com/office/2006/metadata/properties" xmlns:ns2="81d41a3b-f33d-4db6-b532-757106a7a2ae" xmlns:ns3="bf25a9bf-a811-4965-9d0a-b88059080fed" targetNamespace="http://schemas.microsoft.com/office/2006/metadata/properties" ma:root="true" ma:fieldsID="b996b4a4c0d83f5cfec71b22aba921d2" ns2:_="" ns3:_="">
     <xsd:import namespace="81d41a3b-f33d-4db6-b532-757106a7a2ae"/>
@@ -7273,32 +7253,27 @@
 </ct:contentTypeSchema>
 </file>
 
-<file path=customXml/itemProps1.xml><?xml version="1.0" encoding="utf-8"?>
-<ds:datastoreItem xmlns:ds="http://schemas.openxmlformats.org/officeDocument/2006/customXml" ds:itemID="{5EE9034D-0B43-4AB0-9535-9A62DB37A999}">
-  <ds:schemaRefs>
-    <ds:schemaRef ds:uri="http://www.w3.org/XML/1998/namespace"/>
-    <ds:schemaRef ds:uri="81d41a3b-f33d-4db6-b532-757106a7a2ae"/>
-    <ds:schemaRef ds:uri="http://purl.org/dc/dcmitype/"/>
-    <ds:schemaRef ds:uri="http://purl.org/dc/elements/1.1/"/>
-    <ds:schemaRef ds:uri="http://schemas.microsoft.com/office/2006/documentManagement/types"/>
-    <ds:schemaRef ds:uri="bf25a9bf-a811-4965-9d0a-b88059080fed"/>
-    <ds:schemaRef ds:uri="http://purl.org/dc/terms/"/>
-    <ds:schemaRef ds:uri="http://schemas.microsoft.com/office/infopath/2007/PartnerControls"/>
-    <ds:schemaRef ds:uri="http://schemas.openxmlformats.org/package/2006/metadata/core-properties"/>
-    <ds:schemaRef ds:uri="http://schemas.microsoft.com/office/2006/metadata/properties"/>
-  </ds:schemaRefs>
-</ds:datastoreItem>
+<file path=customXml/item2.xml><?xml version="1.0" encoding="utf-8"?>
+<?mso-contentType ?>
+<FormTemplates xmlns="http://schemas.microsoft.com/sharepoint/v3/contenttype/forms">
+  <Display>DocumentLibraryForm</Display>
+  <Edit>DocumentLibraryForm</Edit>
+  <New>DocumentLibraryForm</New>
+</FormTemplates>
 </file>
 
-<file path=customXml/itemProps2.xml><?xml version="1.0" encoding="utf-8"?>
-<ds:datastoreItem xmlns:ds="http://schemas.openxmlformats.org/officeDocument/2006/customXml" ds:itemID="{263A7949-1B93-457F-8888-53CC8A016F77}">
-  <ds:schemaRefs>
-    <ds:schemaRef ds:uri="http://schemas.microsoft.com/sharepoint/v3/contenttype/forms"/>
-  </ds:schemaRefs>
-</ds:datastoreItem>
+<file path=customXml/item3.xml><?xml version="1.0" encoding="utf-8"?>
+<p:properties xmlns:p="http://schemas.microsoft.com/office/2006/metadata/properties" xmlns:xsi="http://www.w3.org/2001/XMLSchema-instance" xmlns:pc="http://schemas.microsoft.com/office/infopath/2007/PartnerControls">
+  <documentManagement>
+    <lcf76f155ced4ddcb4097134ff3c332f xmlns="81d41a3b-f33d-4db6-b532-757106a7a2ae">
+      <Terms xmlns="http://schemas.microsoft.com/office/infopath/2007/PartnerControls"/>
+    </lcf76f155ced4ddcb4097134ff3c332f>
+    <TaxCatchAll xmlns="bf25a9bf-a811-4965-9d0a-b88059080fed" xsi:nil="true"/>
+  </documentManagement>
+</p:properties>
 </file>
 
-<file path=customXml/itemProps3.xml><?xml version="1.0" encoding="utf-8"?>
+<file path=customXml/itemProps1.xml><?xml version="1.0" encoding="utf-8"?>
 <ds:datastoreItem xmlns:ds="http://schemas.openxmlformats.org/officeDocument/2006/customXml" ds:itemID="{2A270F01-48F1-4A41-8E26-ACAC66896963}">
   <ds:schemaRefs>
     <ds:schemaRef ds:uri="http://schemas.microsoft.com/office/2006/metadata/contentType"/>
@@ -7315,4 +7290,29 @@
     <ds:schemaRef ds:uri="http://schemas.microsoft.com/internal/obd"/>
   </ds:schemaRefs>
 </ds:datastoreItem>
+</file>
+
+<file path=customXml/itemProps2.xml><?xml version="1.0" encoding="utf-8"?>
+<ds:datastoreItem xmlns:ds="http://schemas.openxmlformats.org/officeDocument/2006/customXml" ds:itemID="{263A7949-1B93-457F-8888-53CC8A016F77}">
+  <ds:schemaRefs>
+    <ds:schemaRef ds:uri="http://schemas.microsoft.com/sharepoint/v3/contenttype/forms"/>
+  </ds:schemaRefs>
+</ds:datastoreItem>
+</file>
+
+<file path=customXml/itemProps3.xml><?xml version="1.0" encoding="utf-8"?>
+<ds:datastoreItem xmlns:ds="http://schemas.openxmlformats.org/officeDocument/2006/customXml" ds:itemID="{5EE9034D-0B43-4AB0-9535-9A62DB37A999}">
+  <ds:schemaRefs>
+    <ds:schemaRef ds:uri="http://www.w3.org/XML/1998/namespace"/>
+    <ds:schemaRef ds:uri="81d41a3b-f33d-4db6-b532-757106a7a2ae"/>
+    <ds:schemaRef ds:uri="http://purl.org/dc/dcmitype/"/>
+    <ds:schemaRef ds:uri="http://purl.org/dc/elements/1.1/"/>
+    <ds:schemaRef ds:uri="http://schemas.microsoft.com/office/2006/documentManagement/types"/>
+    <ds:schemaRef ds:uri="bf25a9bf-a811-4965-9d0a-b88059080fed"/>
+    <ds:schemaRef ds:uri="http://purl.org/dc/terms/"/>
+    <ds:schemaRef ds:uri="http://schemas.microsoft.com/office/infopath/2007/PartnerControls"/>
+    <ds:schemaRef ds:uri="http://schemas.openxmlformats.org/package/2006/metadata/core-properties"/>
+    <ds:schemaRef ds:uri="http://schemas.microsoft.com/office/2006/metadata/properties"/>
+  </ds:schemaRefs>
+</ds:datastoreItem>
 </file>
--- a/ToegepasteAnalogeElektronica/PowerPoint/SmithKaartOefening1.pptx
+++ b/ToegepasteAnalogeElektronica/PowerPoint/SmithKaartOefening1.pptx
@@ -5727,13 +5727,13 @@
               <a:t>Pas aan de hand van een Smith kaart om een antenne van 128 Ohm aan aan een striplijn printbaan van 50 Ohm voor een frequentie van 1.2 GHz (</a:t>
             </a:r>
             <a:r>
-              <a:t>\lambda</a:t>
+              <a:t>λ</a:t>
             </a:r>
             <a:r>
               <a:t>= 12.5 cm; </a:t>
             </a:r>
             <a:r>
-              <a:t>\epsilon_r</a:t>
+              <a:t>ε_r</a:t>
             </a:r>
             <a:r>
               <a:t>=4).Doe dit door een condensator in parallel op de 50 Ohm lijn te plaatsen. Waar moet deze condensator staan en hoe groot moet deze zijn? Wanneer 250 mW naar deze antenne gestuurd wordt, hoe groot is dan de maximale spanning aan de voet van de antenne? Hoe groot is de maximale spanning op de plaats waar de condensator is aangesloten?</a:t>

--- a/ToegepasteAnalogeElektronica/PowerPoint/SmithKaartOefening1.pptx
+++ b/ToegepasteAnalogeElektronica/PowerPoint/SmithKaartOefening1.pptx
@@ -21,6 +21,7 @@
     <p:sldId id="263" r:id="rId20"/>
     <p:sldId id="264" r:id="rId21"/>
     <p:sldId id="265" r:id="rId22"/>
+    <p:sldId id="266" r:id="rId23"/>
   </p:sldIdLst>
   <p:sldSz cx="12192000" cy="6858000"/>
   <p:notesSz cx="6858000" cy="9144000"/>
@@ -5687,6 +5688,24 @@
 </p:sld>
 </file>
 
+<file path=ppt/slides/slide11.xml><?xml version="1.0" encoding="utf-8"?>
+<p:sld xmlns:a="http://schemas.openxmlformats.org/drawingml/2006/main" xmlns:p="http://schemas.openxmlformats.org/presentationml/2006/main" xmlns:r="http://schemas.openxmlformats.org/officeDocument/2006/relationships">
+  <p:cSld>
+    <p:spTree>
+      <p:nvGrpSpPr>
+        <p:cNvPr id="1" name=""/>
+        <p:cNvGrpSpPr/>
+        <p:nvPr/>
+      </p:nvGrpSpPr>
+      <p:grpSpPr/>
+    </p:spTree>
+  </p:cSld>
+  <p:clrMapOvr>
+    <a:masterClrMapping/>
+  </p:clrMapOvr>
+</p:sld>
+</file>
+
 <file path=ppt/slides/slide2.xml><?xml version="1.0" encoding="utf-8"?>
 <p:sld xmlns:a="http://schemas.openxmlformats.org/drawingml/2006/main" xmlns:p="http://schemas.openxmlformats.org/presentationml/2006/main" xmlns:r="http://schemas.openxmlformats.org/officeDocument/2006/relationships">
   <p:cSld>
@@ -5712,33 +5731,6 @@
           <a:bodyPr/>
           <a:lstStyle/>
           <a:p/>
-          <a:p>
-            <a:pPr/>
-            <a:r>
-              <a:t>## Oefening 1</a:t>
-            </a:r>
-          </a:p>
-          <a:p>
-            <a:pPr/>
-          </a:p>
-          <a:p>
-            <a:pPr/>
-            <a:r>
-              <a:t>Pas aan de hand van een Smith kaart om een antenne van 128 Ohm aan aan een striplijn printbaan van 50 Ohm voor een frequentie van 1.2 GHz (</a:t>
-            </a:r>
-            <a:r>
-              <a:t>λ</a:t>
-            </a:r>
-            <a:r>
-              <a:t>= 12.5 cm; </a:t>
-            </a:r>
-            <a:r>
-              <a:t>ε_r</a:t>
-            </a:r>
-            <a:r>
-              <a:t>=4).Doe dit door een condensator in parallel op de 50 Ohm lijn te plaatsen. Waar moet deze condensator staan en hoe groot moet deze zijn? Wanneer 250 mW naar deze antenne gestuurd wordt, hoe groot is dan de maximale spanning aan de voet van de antenne? Hoe groot is de maximale spanning op de plaats waar de condensator is aangesloten?</a:t>
-            </a:r>
-          </a:p>
         </p:txBody>
       </p:sp>
       <p:sp>
@@ -5756,6 +5748,57 @@
           <a:bodyPr/>
           <a:lstStyle/>
           <a:p/>
+        </p:txBody>
+      </p:sp>
+      <p:sp>
+        <p:nvSpPr>
+          <p:cNvPr id="2" name="Content Placeholder 1"/>
+          <p:cNvSpPr>
+            <a:spLocks noGrp="1"/>
+          </p:cNvSpPr>
+          <p:nvPr>
+            <p:ph idx="1"/>
+          </p:nvPr>
+        </p:nvSpPr>
+        <p:spPr>
+          <a:xfrm>
+            <a:off x="914400" y="566928"/>
+            <a:ext cx="10820400" cy="5669280"/>
+          </a:xfrm>
+        </p:spPr>
+        <p:txBody>
+          <a:bodyPr>
+            <a:spAutoFit/>
+          </a:bodyPr>
+          <a:lstStyle/>
+          <a:p/>
+          <a:p>
+            <a:pPr/>
+            <a:r>
+              <a:t>## Oefening 1</a:t>
+            </a:r>
+          </a:p>
+          <a:p>
+            <a:pPr/>
+          </a:p>
+          <a:p>
+            <a:pPr/>
+            <a:r>
+              <a:t>Pas aan de hand van een Smith kaart om een antenne van 128 Ohm aan aan een striplijn printbaan van 50 Ohm voor een frequentie van 1.2 GHz (</a:t>
+            </a:r>
+            <a:r>
+              <a:t>λ</a:t>
+            </a:r>
+            <a:r>
+              <a:t>= 12.5 cm; </a:t>
+            </a:r>
+            <a:r>
+              <a:t>ε_r</a:t>
+            </a:r>
+            <a:r>
+              <a:t>=4).Doe dit door een condensator in parallel op de 50 Ohm lijn te plaatsen. Waar moet deze condensator staan en hoe groot moet deze zijn? Wanneer 250 mW naar deze antenne gestuurd wordt, hoe groot is dan de maximale spanning aan de voet van de antenne? Hoe groot is de maximale spanning op de plaats waar de condensator is aangesloten?</a:t>
+            </a:r>
+          </a:p>
         </p:txBody>
       </p:sp>
     </p:spTree>
@@ -5821,8 +5864,8 @@
         </p:blipFill>
         <p:spPr>
           <a:xfrm>
-            <a:off x="3307080" y="566928"/>
-            <a:ext cx="5577840" cy="5577840"/>
+            <a:off x="3261360" y="566928"/>
+            <a:ext cx="5669280" cy="5669280"/>
           </a:xfrm>
           <a:prstGeom prst="rect">
             <a:avLst/>
@@ -5892,8 +5935,8 @@
         </p:blipFill>
         <p:spPr>
           <a:xfrm>
-            <a:off x="3307080" y="566928"/>
-            <a:ext cx="5577840" cy="5577840"/>
+            <a:off x="3261360" y="566928"/>
+            <a:ext cx="5669280" cy="5669280"/>
           </a:xfrm>
           <a:prstGeom prst="rect">
             <a:avLst/>
@@ -5963,8 +6006,8 @@
         </p:blipFill>
         <p:spPr>
           <a:xfrm>
-            <a:off x="3307080" y="566928"/>
-            <a:ext cx="5577840" cy="5577840"/>
+            <a:off x="3261360" y="566928"/>
+            <a:ext cx="5669280" cy="5669280"/>
           </a:xfrm>
           <a:prstGeom prst="rect">
             <a:avLst/>
@@ -6001,9 +6044,151 @@
         </p:nvSpPr>
         <p:spPr/>
         <p:txBody>
-          <a:bodyPr/>
+          <a:bodyPr wrap="square">
+            <a:noAutofit/>
+          </a:bodyPr>
           <a:lstStyle/>
-          <a:p/>
+          <a:p>
+            <a:pPr>
+              <a:lnSpc>
+                <a:spcPts val="2400"/>
+              </a:lnSpc>
+              <a:defRPr>
+                <a:solidFill>
+                  <a:srgbClr val="000000"/>
+                </a:solidFill>
+              </a:defRPr>
+            </a:pPr>
+            <a:r>
+              <a:rPr sz="2400" b="0" i="0">
+                <a:latin typeface="Courier"/>
+              </a:rPr>
+              <a:t>hoek    admitantie (Siemens)     lengte coax (cm)</a:t>
+            </a:r>
+            <a:endParaRPr sz="2400" b="0" i="0">
+              <a:latin typeface="Courier"/>
+            </a:endParaRPr>
+          </a:p>
+          <a:p>
+            <a:pPr>
+              <a:lnSpc>
+                <a:spcPts val="2400"/>
+              </a:lnSpc>
+              <a:defRPr>
+                <a:solidFill>
+                  <a:srgbClr val="000000"/>
+                </a:solidFill>
+              </a:defRPr>
+            </a:pPr>
+            <a:r>
+              <a:rPr sz="2400" b="0" i="0">
+                <a:latin typeface="Courier"/>
+              </a:rPr>
+              <a:t> 242    Y= 20.70-19.83j mS     lengte=4.20 cm</a:t>
+            </a:r>
+            <a:endParaRPr sz="2400" b="0" i="0">
+              <a:latin typeface="Courier"/>
+            </a:endParaRPr>
+          </a:p>
+          <a:p>
+            <a:pPr>
+              <a:lnSpc>
+                <a:spcPts val="2400"/>
+              </a:lnSpc>
+              <a:defRPr>
+                <a:solidFill>
+                  <a:srgbClr val="000000"/>
+                </a:solidFill>
+              </a:defRPr>
+            </a:pPr>
+            <a:r>
+              <a:rPr sz="2400" b="0" i="0">
+                <a:latin typeface="Courier"/>
+              </a:rPr>
+              <a:t> 243    Y= 20.35-19.67j mS     lengte=4.22 cm</a:t>
+            </a:r>
+            <a:endParaRPr sz="2400" b="0" i="0">
+              <a:latin typeface="Courier"/>
+            </a:endParaRPr>
+          </a:p>
+          <a:p>
+            <a:pPr>
+              <a:lnSpc>
+                <a:spcPts val="2400"/>
+              </a:lnSpc>
+              <a:defRPr>
+                <a:solidFill>
+                  <a:srgbClr val="000000"/>
+                </a:solidFill>
+              </a:defRPr>
+            </a:pPr>
+            <a:r>
+              <a:rPr sz="2400" b="0" i="0">
+                <a:latin typeface="Courier"/>
+              </a:rPr>
+              <a:t> 244    Y= 20.00-19.50j mS     lengte=4.24 cm</a:t>
+            </a:r>
+            <a:endParaRPr sz="2400" b="0" i="0">
+              <a:latin typeface="Courier"/>
+            </a:endParaRPr>
+          </a:p>
+          <a:p>
+            <a:pPr>
+              <a:lnSpc>
+                <a:spcPts val="2400"/>
+              </a:lnSpc>
+              <a:defRPr>
+                <a:solidFill>
+                  <a:srgbClr val="000000"/>
+                </a:solidFill>
+              </a:defRPr>
+            </a:pPr>
+            <a:r>
+              <a:rPr sz="2400" b="0" i="0">
+                <a:latin typeface="Courier"/>
+              </a:rPr>
+              <a:t> 245    Y= 19.67-19.33j mS     lengte=4.25 cm</a:t>
+            </a:r>
+            <a:endParaRPr sz="2400" b="0" i="0">
+              <a:latin typeface="Courier"/>
+            </a:endParaRPr>
+          </a:p>
+          <a:p>
+            <a:pPr>
+              <a:lnSpc>
+                <a:spcPts val="2400"/>
+              </a:lnSpc>
+              <a:defRPr>
+                <a:solidFill>
+                  <a:srgbClr val="000000"/>
+                </a:solidFill>
+              </a:defRPr>
+            </a:pPr>
+            <a:r>
+              <a:rPr sz="2400" b="0" i="0">
+                <a:latin typeface="Courier"/>
+              </a:rPr>
+              <a:t> 246    Y= 19.34-19.16j mS     lengte=4.27 cm</a:t>
+            </a:r>
+            <a:endParaRPr sz="2400" b="0" i="0">
+              <a:latin typeface="Courier"/>
+            </a:endParaRPr>
+          </a:p>
+          <a:p>
+            <a:pPr>
+              <a:lnSpc>
+                <a:spcPts val="2400"/>
+              </a:lnSpc>
+              <a:defRPr>
+                <a:solidFill>
+                  <a:srgbClr val="000000"/>
+                </a:solidFill>
+              </a:defRPr>
+            </a:pPr>
+            <a:endParaRPr sz="2400" b="0" i="0">
+              <a:latin typeface="Courier"/>
+            </a:endParaRPr>
+          </a:p>
         </p:txBody>
       </p:sp>
       <p:sp>
@@ -6023,30 +6208,6 @@
           <a:p/>
         </p:txBody>
       </p:sp>
-      <p:pic>
-        <p:nvPicPr>
-          <p:cNvPr id="4" name="Picture 3" descr="image.png"/>
-          <p:cNvPicPr>
-            <a:picLocks noChangeAspect="1"/>
-          </p:cNvPicPr>
-          <p:nvPr/>
-        </p:nvPicPr>
-        <p:blipFill>
-          <a:blip r:embed="rId2"/>
-          <a:stretch>
-            <a:fillRect/>
-          </a:stretch>
-        </p:blipFill>
-        <p:spPr>
-          <a:xfrm>
-            <a:off x="3729037" y="868680"/>
-            <a:ext cx="4733925" cy="819150"/>
-          </a:xfrm>
-          <a:prstGeom prst="rect">
-            <a:avLst/>
-          </a:prstGeom>
-        </p:spPr>
-      </p:pic>
     </p:spTree>
   </p:cSld>
   <p:clrMapOvr>
@@ -6067,7 +6228,24 @@
       <p:grpSpPr/>
       <p:sp>
         <p:nvSpPr>
-          <p:cNvPr id="2" name="Title 1"/>
+          <p:cNvPr id="2" name="Content Placeholder 1"/>
+          <p:cNvSpPr>
+            <a:spLocks noGrp="1"/>
+          </p:cNvSpPr>
+          <p:nvPr>
+            <p:ph idx="1"/>
+          </p:nvPr>
+        </p:nvSpPr>
+        <p:spPr/>
+        <p:txBody>
+          <a:bodyPr/>
+          <a:lstStyle/>
+          <a:p/>
+        </p:txBody>
+      </p:sp>
+      <p:sp>
+        <p:nvSpPr>
+          <p:cNvPr id="3" name="Title 2"/>
           <p:cNvSpPr>
             <a:spLocks noGrp="1"/>
           </p:cNvSpPr>
@@ -6077,26 +6255,14 @@
         </p:nvSpPr>
         <p:spPr/>
         <p:txBody>
-          <a:bodyPr wrap="square">
-            <a:noAutofit/>
-          </a:bodyPr>
+          <a:bodyPr/>
           <a:lstStyle/>
-          <a:p>
-            <a:r>
-              <a:rPr sz="3200" b="1" i="0">
-                <a:latin typeface="Arial"/>
-              </a:rPr>
-              <a:t>circuit van de gevraagde aanpassing</a:t>
-            </a:r>
-            <a:endParaRPr sz="3200" b="1" i="0">
-              <a:latin typeface="Arial"/>
-            </a:endParaRPr>
-          </a:p>
+          <a:p/>
         </p:txBody>
       </p:sp>
       <p:pic>
         <p:nvPicPr>
-          <p:cNvPr id="3" name="Picture 2" descr="image.png"/>
+          <p:cNvPr id="4" name="Picture 3" descr="image.png"/>
           <p:cNvPicPr>
             <a:picLocks noChangeAspect="1"/>
           </p:cNvPicPr>
@@ -6110,8 +6276,8 @@
         </p:blipFill>
         <p:spPr>
           <a:xfrm>
-            <a:off x="0" y="566928"/>
-            <a:ext cx="12192000" cy="5577840"/>
+            <a:off x="3729037" y="566928"/>
+            <a:ext cx="4733925" cy="819150"/>
           </a:xfrm>
           <a:prstGeom prst="rect">
             <a:avLst/>
@@ -6154,12 +6320,12 @@
           <a:lstStyle/>
           <a:p>
             <a:r>
-              <a:rPr sz="2700" b="1" i="0">
+              <a:rPr sz="3200" b="1" i="0">
                 <a:latin typeface="Arial"/>
               </a:rPr>
-              <a:t>Spanningen en stromen op de verschillende delen van het circuit.</a:t>
-            </a:r>
-            <a:endParaRPr sz="2700" b="1" i="0">
+              <a:t>circuit van de gevraagde aanpassing</a:t>
+            </a:r>
+            <a:endParaRPr sz="3200" b="1" i="0">
               <a:latin typeface="Arial"/>
             </a:endParaRPr>
           </a:p>
@@ -6182,7 +6348,7 @@
         <p:spPr>
           <a:xfrm>
             <a:off x="0" y="566928"/>
-            <a:ext cx="12192000" cy="5577840"/>
+            <a:ext cx="12192000" cy="5669280"/>
           </a:xfrm>
           <a:prstGeom prst="rect">
             <a:avLst/>
@@ -6207,6 +6373,59 @@
         <p:nvPr/>
       </p:nvGrpSpPr>
       <p:grpSpPr/>
+      <p:sp>
+        <p:nvSpPr>
+          <p:cNvPr id="2" name="Title 1"/>
+          <p:cNvSpPr>
+            <a:spLocks noGrp="1"/>
+          </p:cNvSpPr>
+          <p:nvPr>
+            <p:ph type="title"/>
+          </p:nvPr>
+        </p:nvSpPr>
+        <p:spPr/>
+        <p:txBody>
+          <a:bodyPr wrap="square">
+            <a:noAutofit/>
+          </a:bodyPr>
+          <a:lstStyle/>
+          <a:p>
+            <a:r>
+              <a:rPr sz="2700" b="1" i="0">
+                <a:latin typeface="Arial"/>
+              </a:rPr>
+              <a:t>Spanningen en stromen op de verschillende delen van het circuit.</a:t>
+            </a:r>
+            <a:endParaRPr sz="2700" b="1" i="0">
+              <a:latin typeface="Arial"/>
+            </a:endParaRPr>
+          </a:p>
+        </p:txBody>
+      </p:sp>
+      <p:pic>
+        <p:nvPicPr>
+          <p:cNvPr id="3" name="Picture 2" descr="image.png"/>
+          <p:cNvPicPr>
+            <a:picLocks noChangeAspect="1"/>
+          </p:cNvPicPr>
+          <p:nvPr/>
+        </p:nvPicPr>
+        <p:blipFill>
+          <a:blip r:embed="rId2"/>
+          <a:stretch>
+            <a:fillRect/>
+          </a:stretch>
+        </p:blipFill>
+        <p:spPr>
+          <a:xfrm>
+            <a:off x="0" y="566928"/>
+            <a:ext cx="12192000" cy="5669280"/>
+          </a:xfrm>
+          <a:prstGeom prst="rect">
+            <a:avLst/>
+          </a:prstGeom>
+        </p:spPr>
+      </p:pic>
     </p:spTree>
   </p:cSld>
   <p:clrMapOvr>

--- a/ToegepasteAnalogeElektronica/PowerPoint/SmithKaartOefening1.pptx
+++ b/ToegepasteAnalogeElektronica/PowerPoint/SmithKaartOefening1.pptx
@@ -5728,9 +5728,38 @@
         </p:nvSpPr>
         <p:spPr/>
         <p:txBody>
-          <a:bodyPr/>
+          <a:bodyPr>
+            <a:spAutoFit/>
+          </a:bodyPr>
           <a:lstStyle/>
           <a:p/>
+          <a:p>
+            <a:pPr/>
+            <a:r>
+              <a:t>## Oefening 1</a:t>
+            </a:r>
+          </a:p>
+          <a:p>
+            <a:pPr/>
+          </a:p>
+          <a:p>
+            <a:pPr/>
+            <a:r>
+              <a:t>Pas aan de hand van een Smith kaart om een antenne van 128 Ohm aan aan een striplijn printbaan van 50 Ohm voor een frequentie van 1.2 GHz (</a:t>
+            </a:r>
+            <a:r>
+              <a:t>λ</a:t>
+            </a:r>
+            <a:r>
+              <a:t>= 12.5 cm; </a:t>
+            </a:r>
+            <a:r>
+              <a:t>ε_r</a:t>
+            </a:r>
+            <a:r>
+              <a:t>=4).Doe dit door een condensator in parallel op de 50 Ohm lijn te plaatsen. Waar moet deze condensator staan en hoe groot moet deze zijn? Wanneer 250 mW naar deze antenne gestuurd wordt, hoe groot is dan de maximale spanning aan de voet van de antenne? Hoe groot is de maximale spanning op de plaats waar de condensator is aangesloten?</a:t>
+            </a:r>
+          </a:p>
         </p:txBody>
       </p:sp>
       <p:sp>
@@ -5748,57 +5777,6 @@
           <a:bodyPr/>
           <a:lstStyle/>
           <a:p/>
-        </p:txBody>
-      </p:sp>
-      <p:sp>
-        <p:nvSpPr>
-          <p:cNvPr id="2" name="Content Placeholder 1"/>
-          <p:cNvSpPr>
-            <a:spLocks noGrp="1"/>
-          </p:cNvSpPr>
-          <p:nvPr>
-            <p:ph idx="1"/>
-          </p:nvPr>
-        </p:nvSpPr>
-        <p:spPr>
-          <a:xfrm>
-            <a:off x="914400" y="566928"/>
-            <a:ext cx="10820400" cy="5669280"/>
-          </a:xfrm>
-        </p:spPr>
-        <p:txBody>
-          <a:bodyPr>
-            <a:spAutoFit/>
-          </a:bodyPr>
-          <a:lstStyle/>
-          <a:p/>
-          <a:p>
-            <a:pPr/>
-            <a:r>
-              <a:t>## Oefening 1</a:t>
-            </a:r>
-          </a:p>
-          <a:p>
-            <a:pPr/>
-          </a:p>
-          <a:p>
-            <a:pPr/>
-            <a:r>
-              <a:t>Pas aan de hand van een Smith kaart om een antenne van 128 Ohm aan aan een striplijn printbaan van 50 Ohm voor een frequentie van 1.2 GHz (</a:t>
-            </a:r>
-            <a:r>
-              <a:t>λ</a:t>
-            </a:r>
-            <a:r>
-              <a:t>= 12.5 cm; </a:t>
-            </a:r>
-            <a:r>
-              <a:t>ε_r</a:t>
-            </a:r>
-            <a:r>
-              <a:t>=4).Doe dit door een condensator in parallel op de 50 Ohm lijn te plaatsen. Waar moet deze condensator staan en hoe groot moet deze zijn? Wanneer 250 mW naar deze antenne gestuurd wordt, hoe groot is dan de maximale spanning aan de voet van de antenne? Hoe groot is de maximale spanning op de plaats waar de condensator is aangesloten?</a:t>
-            </a:r>
-          </a:p>
         </p:txBody>
       </p:sp>
     </p:spTree>
@@ -6238,9 +6216,47 @@
         </p:nvSpPr>
         <p:spPr/>
         <p:txBody>
-          <a:bodyPr/>
+          <a:bodyPr>
+            <a:spAutoFit/>
+          </a:bodyPr>
           <a:lstStyle/>
           <a:p/>
+          <a:p>
+            <a:pPr/>
+            <a:r>
+              <a:t/>
+            </a:r>
+            <a:r>
+              <a:t>\frac{244}{360}\frac{\lambda}{2}= \frac{244}{360}\frac{12.5}{2}= 4.24 cm</a:t>
+            </a:r>
+            <a:r>
+              <a:t/>
+            </a:r>
+          </a:p>
+          <a:p>
+            <a:pPr/>
+          </a:p>
+          <a:p>
+            <a:pPr/>
+          </a:p>
+          <a:p>
+            <a:pPr/>
+            <a:r>
+              <a:t>&lt;p class="alert alert-success"&gt;</a:t>
+            </a:r>
+          </a:p>
+          <a:p>
+            <a:pPr/>
+            <a:r>
+              <a:t>De optimale condensatorwaarde in parallel wordt dus  2.59 pF en de lengte van de transmissielijn tussen de antenne en deze capaciteit is gelijk aan 4.24 cm</a:t>
+            </a:r>
+          </a:p>
+          <a:p>
+            <a:pPr/>
+            <a:r>
+              <a:t>&lt;/p&gt;</a:t>
+            </a:r>
+          </a:p>
         </p:txBody>
       </p:sp>
       <p:sp>
@@ -6260,30 +6276,6 @@
           <a:p/>
         </p:txBody>
       </p:sp>
-      <p:pic>
-        <p:nvPicPr>
-          <p:cNvPr id="4" name="Picture 3" descr="image.png"/>
-          <p:cNvPicPr>
-            <a:picLocks noChangeAspect="1"/>
-          </p:cNvPicPr>
-          <p:nvPr/>
-        </p:nvPicPr>
-        <p:blipFill>
-          <a:blip r:embed="rId2"/>
-          <a:stretch>
-            <a:fillRect/>
-          </a:stretch>
-        </p:blipFill>
-        <p:spPr>
-          <a:xfrm>
-            <a:off x="3729037" y="566928"/>
-            <a:ext cx="4733925" cy="819150"/>
-          </a:xfrm>
-          <a:prstGeom prst="rect">
-            <a:avLst/>
-          </a:prstGeom>
-        </p:spPr>
-      </p:pic>
     </p:spTree>
   </p:cSld>
   <p:clrMapOvr>
